--- a/inst/extdata/readme_portrait.pptx
+++ b/inst/extdata/readme_portrait.pptx
@@ -6,6 +6,7 @@
   </p:sldMasterIdLst>
   <p:sldIdLst>
     <p:sldId id="256" r:id="rId2"/>
+    <p:sldId id="257" r:id="rId3"/>
   </p:sldIdLst>
   <p:sldSz cx="6858000" cy="9906000" type="A4"/>
   <p:notesSz cx="6858000" cy="9144000"/>
@@ -104,6 +105,11 @@
       </a:defRPr>
     </a:lvl9pPr>
   </p:defaultTextStyle>
+  <p:extLst>
+    <p:ext uri="{EFAFB233-063F-42B5-8137-9DF3F51BA10A}">
+      <p15:sldGuideLst xmlns:p15="http://schemas.microsoft.com/office/powerpoint/2012/main"/>
+    </p:ext>
+  </p:extLst>
 </p:presentation>
 </file>
 
@@ -238,7 +244,7 @@
           <a:p>
             <a:fld id="{A1295817-A456-4A5A-802A-3865CC5708D3}" type="datetimeFigureOut">
               <a:rPr lang="de-DE" smtClean="0"/>
-              <a:t>15.04.2020</a:t>
+              <a:t>22.04.2020</a:t>
             </a:fld>
             <a:endParaRPr lang="de-DE"/>
           </a:p>
@@ -408,7 +414,7 @@
           <a:p>
             <a:fld id="{A1295817-A456-4A5A-802A-3865CC5708D3}" type="datetimeFigureOut">
               <a:rPr lang="de-DE" smtClean="0"/>
-              <a:t>15.04.2020</a:t>
+              <a:t>22.04.2020</a:t>
             </a:fld>
             <a:endParaRPr lang="de-DE"/>
           </a:p>
@@ -588,7 +594,7 @@
           <a:p>
             <a:fld id="{A1295817-A456-4A5A-802A-3865CC5708D3}" type="datetimeFigureOut">
               <a:rPr lang="de-DE" smtClean="0"/>
-              <a:t>15.04.2020</a:t>
+              <a:t>22.04.2020</a:t>
             </a:fld>
             <a:endParaRPr lang="de-DE"/>
           </a:p>
@@ -758,7 +764,7 @@
           <a:p>
             <a:fld id="{A1295817-A456-4A5A-802A-3865CC5708D3}" type="datetimeFigureOut">
               <a:rPr lang="de-DE" smtClean="0"/>
-              <a:t>15.04.2020</a:t>
+              <a:t>22.04.2020</a:t>
             </a:fld>
             <a:endParaRPr lang="de-DE"/>
           </a:p>
@@ -1002,7 +1008,7 @@
           <a:p>
             <a:fld id="{A1295817-A456-4A5A-802A-3865CC5708D3}" type="datetimeFigureOut">
               <a:rPr lang="de-DE" smtClean="0"/>
-              <a:t>15.04.2020</a:t>
+              <a:t>22.04.2020</a:t>
             </a:fld>
             <a:endParaRPr lang="de-DE"/>
           </a:p>
@@ -1234,7 +1240,7 @@
           <a:p>
             <a:fld id="{A1295817-A456-4A5A-802A-3865CC5708D3}" type="datetimeFigureOut">
               <a:rPr lang="de-DE" smtClean="0"/>
-              <a:t>15.04.2020</a:t>
+              <a:t>22.04.2020</a:t>
             </a:fld>
             <a:endParaRPr lang="de-DE"/>
           </a:p>
@@ -1601,7 +1607,7 @@
           <a:p>
             <a:fld id="{A1295817-A456-4A5A-802A-3865CC5708D3}" type="datetimeFigureOut">
               <a:rPr lang="de-DE" smtClean="0"/>
-              <a:t>15.04.2020</a:t>
+              <a:t>22.04.2020</a:t>
             </a:fld>
             <a:endParaRPr lang="de-DE"/>
           </a:p>
@@ -1719,7 +1725,7 @@
           <a:p>
             <a:fld id="{A1295817-A456-4A5A-802A-3865CC5708D3}" type="datetimeFigureOut">
               <a:rPr lang="de-DE" smtClean="0"/>
-              <a:t>15.04.2020</a:t>
+              <a:t>22.04.2020</a:t>
             </a:fld>
             <a:endParaRPr lang="de-DE"/>
           </a:p>
@@ -1814,7 +1820,7 @@
           <a:p>
             <a:fld id="{A1295817-A456-4A5A-802A-3865CC5708D3}" type="datetimeFigureOut">
               <a:rPr lang="de-DE" smtClean="0"/>
-              <a:t>15.04.2020</a:t>
+              <a:t>22.04.2020</a:t>
             </a:fld>
             <a:endParaRPr lang="de-DE"/>
           </a:p>
@@ -2091,7 +2097,7 @@
           <a:p>
             <a:fld id="{A1295817-A456-4A5A-802A-3865CC5708D3}" type="datetimeFigureOut">
               <a:rPr lang="de-DE" smtClean="0"/>
-              <a:t>15.04.2020</a:t>
+              <a:t>22.04.2020</a:t>
             </a:fld>
             <a:endParaRPr lang="de-DE"/>
           </a:p>
@@ -2348,7 +2354,7 @@
           <a:p>
             <a:fld id="{A1295817-A456-4A5A-802A-3865CC5708D3}" type="datetimeFigureOut">
               <a:rPr lang="de-DE" smtClean="0"/>
-              <a:t>15.04.2020</a:t>
+              <a:t>22.04.2020</a:t>
             </a:fld>
             <a:endParaRPr lang="de-DE"/>
           </a:p>
@@ -2561,7 +2567,7 @@
           <a:p>
             <a:fld id="{A1295817-A456-4A5A-802A-3865CC5708D3}" type="datetimeFigureOut">
               <a:rPr lang="de-DE" smtClean="0"/>
-              <a:t>15.04.2020</a:t>
+              <a:t>22.04.2020</a:t>
             </a:fld>
             <a:endParaRPr lang="de-DE"/>
           </a:p>
@@ -3617,8 +3623,8 @@
           </p:nvSpPr>
           <p:spPr>
             <a:xfrm>
-              <a:off x="2795351" y="5735565"/>
-              <a:ext cx="1614994" cy="492443"/>
+              <a:off x="2795349" y="5726687"/>
+              <a:ext cx="1184683" cy="292388"/>
             </a:xfrm>
             <a:prstGeom prst="rect">
               <a:avLst/>
@@ -3633,15 +3639,7 @@
             <a:p>
               <a:r>
                 <a:rPr lang="en-US" sz="1300" dirty="0" err="1" smtClean="0"/>
-                <a:t>add_specificity</a:t>
-              </a:r>
-              <a:endParaRPr lang="en-US" sz="1300" dirty="0" smtClean="0"/>
-            </a:p>
-            <a:p>
-              <a:pPr algn="r"/>
-              <a:r>
-                <a:rPr lang="en-US" sz="1300" dirty="0" err="1" smtClean="0"/>
-                <a:t>add_genome_counts</a:t>
+                <a:t>add_offtargets</a:t>
               </a:r>
               <a:endParaRPr lang="en-US" sz="1300" dirty="0" smtClean="0"/>
             </a:p>
@@ -3655,8 +3653,8 @@
           </p:nvSpPr>
           <p:spPr>
             <a:xfrm>
-              <a:off x="2620475" y="5445027"/>
-              <a:ext cx="1603516" cy="338554"/>
+              <a:off x="2589990" y="5445027"/>
+              <a:ext cx="1664495" cy="338554"/>
             </a:xfrm>
             <a:prstGeom prst="rect">
               <a:avLst/>
@@ -3671,7 +3669,7 @@
               <a:pPr algn="ctr"/>
               <a:r>
                 <a:rPr lang="en-US" sz="1600" dirty="0" smtClean="0"/>
-                <a:t>ADD SPECIFICITY</a:t>
+                <a:t>ADD OFFTARGETS</a:t>
               </a:r>
               <a:endParaRPr lang="de-DE" sz="1600" dirty="0"/>
             </a:p>
@@ -3756,7 +3754,7 @@
           </p:nvSpPr>
           <p:spPr>
             <a:xfrm>
-              <a:off x="2837111" y="7263513"/>
+              <a:off x="2819355" y="7245757"/>
               <a:ext cx="1172245" cy="292388"/>
             </a:xfrm>
             <a:prstGeom prst="rect">
@@ -4074,11 +4072,7 @@
             </a:r>
             <a:r>
               <a:rPr lang="en-US" sz="1200" dirty="0" smtClean="0"/>
-              <a:t>0    </a:t>
-            </a:r>
-            <a:r>
-              <a:rPr lang="en-US" sz="1200" dirty="0" smtClean="0"/>
-              <a:t>  1     0     </a:t>
+              <a:t>0      1     0     </a:t>
             </a:r>
             <a:r>
               <a:rPr lang="en-US" sz="1200" dirty="0"/>
@@ -4092,11 +4086,7 @@
             </a:r>
             <a:r>
               <a:rPr lang="en-US" sz="1200" dirty="0" smtClean="0"/>
-              <a:t>0     </a:t>
-            </a:r>
-            <a:r>
-              <a:rPr lang="en-US" sz="1200" dirty="0" smtClean="0"/>
-              <a:t> 1     0     </a:t>
+              <a:t>0      1     0     </a:t>
             </a:r>
             <a:r>
               <a:rPr lang="en-US" sz="1200" dirty="0"/>
@@ -4734,11 +4724,7 @@
               <a:pPr algn="ctr"/>
               <a:r>
                 <a:rPr lang="en-US" sz="1200" dirty="0" smtClean="0"/>
-                <a:t>of </a:t>
-              </a:r>
-              <a:r>
-                <a:rPr lang="en-US" sz="1200" dirty="0" smtClean="0"/>
-                <a:t>SRF binding sites</a:t>
+                <a:t>of SRF binding sites</a:t>
               </a:r>
               <a:endParaRPr lang="de-DE" sz="1200" dirty="0"/>
             </a:p>
@@ -5496,6 +5482,167 @@
     <p:extLst>
       <p:ext uri="{BB962C8B-B14F-4D97-AF65-F5344CB8AC3E}">
         <p14:creationId xmlns:p14="http://schemas.microsoft.com/office/powerpoint/2010/main" val="2966068327"/>
+      </p:ext>
+    </p:extLst>
+  </p:cSld>
+  <p:clrMapOvr>
+    <a:masterClrMapping/>
+  </p:clrMapOvr>
+</p:sld>
+</file>
+
+<file path=ppt/slides/slide2.xml><?xml version="1.0" encoding="utf-8"?>
+<p:sld xmlns:a="http://schemas.openxmlformats.org/drawingml/2006/main" xmlns:r="http://schemas.openxmlformats.org/officeDocument/2006/relationships" xmlns:p="http://schemas.openxmlformats.org/presentationml/2006/main">
+  <p:cSld>
+    <p:spTree>
+      <p:nvGrpSpPr>
+        <p:cNvPr id="1" name=""/>
+        <p:cNvGrpSpPr/>
+        <p:nvPr/>
+      </p:nvGrpSpPr>
+      <p:grpSpPr>
+        <a:xfrm>
+          <a:off x="0" y="0"/>
+          <a:ext cx="0" cy="0"/>
+          <a:chOff x="0" y="0"/>
+          <a:chExt cx="0" cy="0"/>
+        </a:xfrm>
+      </p:grpSpPr>
+      <p:grpSp>
+        <p:nvGrpSpPr>
+          <p:cNvPr id="2" name="Group 1"/>
+          <p:cNvGrpSpPr/>
+          <p:nvPr/>
+        </p:nvGrpSpPr>
+        <p:grpSpPr>
+          <a:xfrm>
+            <a:off x="2467678" y="6011873"/>
+            <a:ext cx="2195420" cy="1091089"/>
+            <a:chOff x="2307879" y="5439755"/>
+            <a:chExt cx="2195420" cy="1091089"/>
+          </a:xfrm>
+        </p:grpSpPr>
+        <p:sp>
+          <p:nvSpPr>
+            <p:cNvPr id="3" name="Down Arrow 2"/>
+            <p:cNvSpPr/>
+            <p:nvPr/>
+          </p:nvSpPr>
+          <p:spPr>
+            <a:xfrm>
+              <a:off x="2307879" y="5439755"/>
+              <a:ext cx="2195420" cy="1091089"/>
+            </a:xfrm>
+            <a:prstGeom prst="downArrow">
+              <a:avLst>
+                <a:gd name="adj1" fmla="val 100000"/>
+                <a:gd name="adj2" fmla="val 32231"/>
+              </a:avLst>
+            </a:prstGeom>
+            <a:solidFill>
+              <a:schemeClr val="accent4">
+                <a:lumMod val="40000"/>
+                <a:lumOff val="60000"/>
+              </a:schemeClr>
+            </a:solidFill>
+            <a:ln>
+              <a:noFill/>
+            </a:ln>
+          </p:spPr>
+          <p:style>
+            <a:lnRef idx="2">
+              <a:schemeClr val="accent1">
+                <a:shade val="50000"/>
+              </a:schemeClr>
+            </a:lnRef>
+            <a:fillRef idx="1">
+              <a:schemeClr val="accent1"/>
+            </a:fillRef>
+            <a:effectRef idx="0">
+              <a:schemeClr val="accent1"/>
+            </a:effectRef>
+            <a:fontRef idx="minor">
+              <a:schemeClr val="lt1"/>
+            </a:fontRef>
+          </p:style>
+          <p:txBody>
+            <a:bodyPr rtlCol="0" anchor="ctr"/>
+            <a:lstStyle/>
+            <a:p>
+              <a:pPr algn="ctr"/>
+              <a:endParaRPr lang="de-DE" sz="1400" dirty="0">
+                <a:solidFill>
+                  <a:schemeClr val="tx1"/>
+                </a:solidFill>
+              </a:endParaRPr>
+            </a:p>
+          </p:txBody>
+        </p:sp>
+        <p:sp>
+          <p:nvSpPr>
+            <p:cNvPr id="4" name="TextBox 3"/>
+            <p:cNvSpPr txBox="1"/>
+            <p:nvPr/>
+          </p:nvSpPr>
+          <p:spPr>
+            <a:xfrm>
+              <a:off x="2813104" y="5744443"/>
+              <a:ext cx="1184683" cy="292388"/>
+            </a:xfrm>
+            <a:prstGeom prst="rect">
+              <a:avLst/>
+            </a:prstGeom>
+            <a:noFill/>
+          </p:spPr>
+          <p:txBody>
+            <a:bodyPr wrap="none" rtlCol="0">
+              <a:spAutoFit/>
+            </a:bodyPr>
+            <a:lstStyle/>
+            <a:p>
+              <a:r>
+                <a:rPr lang="en-US" sz="1300" dirty="0" err="1" smtClean="0"/>
+                <a:t>add_offtargets</a:t>
+              </a:r>
+              <a:endParaRPr lang="en-US" sz="1300" dirty="0" smtClean="0"/>
+            </a:p>
+          </p:txBody>
+        </p:sp>
+        <p:sp>
+          <p:nvSpPr>
+            <p:cNvPr id="5" name="Rectangle 4"/>
+            <p:cNvSpPr/>
+            <p:nvPr/>
+          </p:nvSpPr>
+          <p:spPr>
+            <a:xfrm>
+              <a:off x="2589990" y="5445027"/>
+              <a:ext cx="1664495" cy="338554"/>
+            </a:xfrm>
+            <a:prstGeom prst="rect">
+              <a:avLst/>
+            </a:prstGeom>
+          </p:spPr>
+          <p:txBody>
+            <a:bodyPr wrap="none">
+              <a:spAutoFit/>
+            </a:bodyPr>
+            <a:lstStyle/>
+            <a:p>
+              <a:pPr algn="ctr"/>
+              <a:r>
+                <a:rPr lang="en-US" sz="1600" dirty="0" smtClean="0"/>
+                <a:t>ADD OFFTARGETS</a:t>
+              </a:r>
+              <a:endParaRPr lang="de-DE" sz="1600" dirty="0"/>
+            </a:p>
+          </p:txBody>
+        </p:sp>
+      </p:grpSp>
+    </p:spTree>
+    <p:extLst>
+      <p:ext uri="{BB962C8B-B14F-4D97-AF65-F5344CB8AC3E}">
+        <p14:creationId xmlns:p14="http://schemas.microsoft.com/office/powerpoint/2010/main" val="901409516"/>
       </p:ext>
     </p:extLst>
   </p:cSld>
